--- a/Documents/MAPD712_Team7_Project_Presentation.pptx
+++ b/Documents/MAPD712_Team7_Project_Presentation.pptx
@@ -11,7 +11,8 @@
     <p:sldId id="257" r:id="rId5"/>
     <p:sldId id="260" r:id="rId6"/>
     <p:sldId id="261" r:id="rId7"/>
-    <p:sldId id="263" r:id="rId8"/>
+    <p:sldId id="264" r:id="rId8"/>
+    <p:sldId id="263" r:id="rId9"/>
   </p:sldIdLst>
   <p:sldSz cx="12192000" cy="6858000"/>
   <p:notesSz cx="6858000" cy="9144000"/>
@@ -122,7 +123,7 @@
 <p1510:revInfo xmlns:a="http://schemas.openxmlformats.org/drawingml/2006/main" xmlns:r="http://schemas.openxmlformats.org/officeDocument/2006/relationships" xmlns:p1510="http://schemas.microsoft.com/office/powerpoint/2015/10/main">
   <p1510:revLst>
     <p1510:client id="{79AF6506-EB37-46DB-93C0-6BBD5DB5A929}" v="55" dt="2023-12-05T03:32:43.106"/>
-    <p1510:client id="{E06319F8-35B7-7FAA-A077-53790A44CCA9}" v="1701" dt="2023-12-05T19:58:12.966"/>
+    <p1510:client id="{E06319F8-35B7-7FAA-A077-53790A44CCA9}" v="1801" dt="2023-12-06T01:49:57.358"/>
   </p1510:revLst>
 </p1510:revInfo>
 </file>
@@ -132,7 +133,7 @@
   <pc:docChgLst>
     <pc:chgData name="Pui Yee Ng" userId="S::png63@my.centennialcollege.ca::1f798b3c-15e8-4b61-90e9-5a85a83c4919" providerId="AD" clId="Web-{E06319F8-35B7-7FAA-A077-53790A44CCA9}"/>
     <pc:docChg chg="addSld delSld modSld sldOrd addMainMaster delMainMaster">
-      <pc:chgData name="Pui Yee Ng" userId="S::png63@my.centennialcollege.ca::1f798b3c-15e8-4b61-90e9-5a85a83c4919" providerId="AD" clId="Web-{E06319F8-35B7-7FAA-A077-53790A44CCA9}" dt="2023-12-05T19:58:12.966" v="1547"/>
+      <pc:chgData name="Pui Yee Ng" userId="S::png63@my.centennialcollege.ca::1f798b3c-15e8-4b61-90e9-5a85a83c4919" providerId="AD" clId="Web-{E06319F8-35B7-7FAA-A077-53790A44CCA9}" dt="2023-12-06T01:49:57.358" v="1643" actId="1076"/>
       <pc:docMkLst>
         <pc:docMk/>
       </pc:docMkLst>
@@ -501,7 +502,7 @@
         </pc:cxnChg>
       </pc:sldChg>
       <pc:sldChg chg="addSp delSp modSp new">
-        <pc:chgData name="Pui Yee Ng" userId="S::png63@my.centennialcollege.ca::1f798b3c-15e8-4b61-90e9-5a85a83c4919" providerId="AD" clId="Web-{E06319F8-35B7-7FAA-A077-53790A44CCA9}" dt="2023-12-05T06:28:27.054" v="1539" actId="1076"/>
+        <pc:chgData name="Pui Yee Ng" userId="S::png63@my.centennialcollege.ca::1f798b3c-15e8-4b61-90e9-5a85a83c4919" providerId="AD" clId="Web-{E06319F8-35B7-7FAA-A077-53790A44CCA9}" dt="2023-12-06T01:49:57.358" v="1643" actId="1076"/>
         <pc:sldMkLst>
           <pc:docMk/>
           <pc:sldMk cId="2142704590" sldId="260"/>
@@ -522,6 +523,14 @@
             <ac:spMk id="3" creationId="{7DC9E8F9-E822-B422-B309-FFA32D3C58F1}"/>
           </ac:spMkLst>
         </pc:spChg>
+        <pc:picChg chg="add mod">
+          <ac:chgData name="Pui Yee Ng" userId="S::png63@my.centennialcollege.ca::1f798b3c-15e8-4b61-90e9-5a85a83c4919" providerId="AD" clId="Web-{E06319F8-35B7-7FAA-A077-53790A44CCA9}" dt="2023-12-06T01:49:57.358" v="1643" actId="1076"/>
+          <ac:picMkLst>
+            <pc:docMk/>
+            <pc:sldMk cId="2142704590" sldId="260"/>
+            <ac:picMk id="3" creationId="{FD0A64F0-549E-B7DC-ACE7-6EDD57CEBF3E}"/>
+          </ac:picMkLst>
+        </pc:picChg>
         <pc:picChg chg="add del mod">
           <ac:chgData name="Pui Yee Ng" userId="S::png63@my.centennialcollege.ca::1f798b3c-15e8-4b61-90e9-5a85a83c4919" providerId="AD" clId="Web-{E06319F8-35B7-7FAA-A077-53790A44CCA9}" dt="2023-12-05T06:24:06.267" v="1519"/>
           <ac:picMkLst>
@@ -546,8 +555,8 @@
             <ac:picMk id="6" creationId="{982E182C-C098-18B3-7C5A-E31C5BA683EC}"/>
           </ac:picMkLst>
         </pc:picChg>
-        <pc:picChg chg="add mod">
-          <ac:chgData name="Pui Yee Ng" userId="S::png63@my.centennialcollege.ca::1f798b3c-15e8-4b61-90e9-5a85a83c4919" providerId="AD" clId="Web-{E06319F8-35B7-7FAA-A077-53790A44CCA9}" dt="2023-12-05T06:28:27.054" v="1539" actId="1076"/>
+        <pc:picChg chg="add del mod">
+          <ac:chgData name="Pui Yee Ng" userId="S::png63@my.centennialcollege.ca::1f798b3c-15e8-4b61-90e9-5a85a83c4919" providerId="AD" clId="Web-{E06319F8-35B7-7FAA-A077-53790A44CCA9}" dt="2023-12-06T01:49:51.702" v="1640"/>
           <ac:picMkLst>
             <pc:docMk/>
             <pc:sldMk cId="2142704590" sldId="260"/>
@@ -597,6 +606,29 @@
             <pc:docMk/>
             <pc:sldMk cId="2705952358" sldId="263"/>
             <ac:spMk id="2" creationId="{D2FD7AEE-64C1-D189-A147-8ADFC9AC1E27}"/>
+          </ac:spMkLst>
+        </pc:spChg>
+      </pc:sldChg>
+      <pc:sldChg chg="modSp new">
+        <pc:chgData name="Pui Yee Ng" userId="S::png63@my.centennialcollege.ca::1f798b3c-15e8-4b61-90e9-5a85a83c4919" providerId="AD" clId="Web-{E06319F8-35B7-7FAA-A077-53790A44CCA9}" dt="2023-12-06T00:43:48.201" v="1639" actId="20577"/>
+        <pc:sldMkLst>
+          <pc:docMk/>
+          <pc:sldMk cId="4142931922" sldId="264"/>
+        </pc:sldMkLst>
+        <pc:spChg chg="mod">
+          <ac:chgData name="Pui Yee Ng" userId="S::png63@my.centennialcollege.ca::1f798b3c-15e8-4b61-90e9-5a85a83c4919" providerId="AD" clId="Web-{E06319F8-35B7-7FAA-A077-53790A44CCA9}" dt="2023-12-06T00:38:56.523" v="1553" actId="20577"/>
+          <ac:spMkLst>
+            <pc:docMk/>
+            <pc:sldMk cId="4142931922" sldId="264"/>
+            <ac:spMk id="2" creationId="{C7E7E887-BDDA-E0AB-1D30-DA56D03456EF}"/>
+          </ac:spMkLst>
+        </pc:spChg>
+        <pc:spChg chg="mod">
+          <ac:chgData name="Pui Yee Ng" userId="S::png63@my.centennialcollege.ca::1f798b3c-15e8-4b61-90e9-5a85a83c4919" providerId="AD" clId="Web-{E06319F8-35B7-7FAA-A077-53790A44CCA9}" dt="2023-12-06T00:43:48.201" v="1639" actId="20577"/>
+          <ac:spMkLst>
+            <pc:docMk/>
+            <pc:sldMk cId="4142931922" sldId="264"/>
+            <ac:spMk id="3" creationId="{8E471AD9-CDB4-C87D-2296-C3DAB7CF6198}"/>
           </ac:spMkLst>
         </pc:spChg>
       </pc:sldChg>
@@ -6960,7 +6992,7 @@
           <a:lstStyle/>
           <a:p>
             <a:r>
-              <a:rPr lang="en-GB" sz="1200" dirty="0">
+              <a:rPr lang="en-GB" sz="1200">
                 <a:solidFill>
                   <a:srgbClr val="191919"/>
                 </a:solidFill>
@@ -7034,14 +7066,14 @@
           <a:lstStyle/>
           <a:p>
             <a:r>
-              <a:rPr lang="en-GB" sz="1200" dirty="0">
+              <a:rPr lang="en-GB" sz="1200">
                 <a:solidFill>
                   <a:srgbClr val="191919"/>
                 </a:solidFill>
               </a:rPr>
               <a:t>Health Care Providers </a:t>
             </a:r>
-            <a:endParaRPr lang="en-GB" dirty="0"/>
+            <a:endParaRPr lang="en-GB"/>
           </a:p>
         </p:txBody>
       </p:sp>
@@ -7219,14 +7251,14 @@
           <a:lstStyle/>
           <a:p>
             <a:r>
-              <a:rPr lang="en-GB" sz="1200" dirty="0">
+              <a:rPr lang="en-GB" sz="1200">
                 <a:solidFill>
                   <a:srgbClr val="191919"/>
                 </a:solidFill>
               </a:rPr>
               <a:t>Patients Details</a:t>
             </a:r>
-            <a:endParaRPr lang="en-US" dirty="0"/>
+            <a:endParaRPr lang="en-US"/>
           </a:p>
         </p:txBody>
       </p:sp>
@@ -7262,14 +7294,14 @@
           <a:lstStyle/>
           <a:p>
             <a:r>
-              <a:rPr lang="en-GB" sz="1200" dirty="0">
+              <a:rPr lang="en-GB" sz="1200">
                 <a:solidFill>
                   <a:srgbClr val="191919"/>
                 </a:solidFill>
               </a:rPr>
               <a:t>Patients' Clinical Data</a:t>
             </a:r>
-            <a:endParaRPr lang="en-US" dirty="0"/>
+            <a:endParaRPr lang="en-US"/>
           </a:p>
         </p:txBody>
       </p:sp>
@@ -7305,7 +7337,7 @@
           <a:lstStyle/>
           <a:p>
             <a:r>
-              <a:rPr lang="en-GB" sz="1200" dirty="0">
+              <a:rPr lang="en-GB" sz="1200">
                 <a:solidFill>
                   <a:srgbClr val="191919"/>
                 </a:solidFill>
@@ -8740,10 +8772,10 @@
       </p:sp>
       <p:pic>
         <p:nvPicPr>
-          <p:cNvPr id="7" name="Picture 6" descr="A screenshot of a medical survey&#10;&#10;Description automatically generated">
+          <p:cNvPr id="3" name="Picture 2" descr="A screenshot of a medical survey&#10;&#10;Description automatically generated">
             <a:extLst>
               <a:ext uri="{FF2B5EF4-FFF2-40B4-BE49-F238E27FC236}">
-                <a16:creationId xmlns:a16="http://schemas.microsoft.com/office/drawing/2014/main" id="{4B9F396E-ABD7-A86D-5AA9-980B41F1146B}"/>
+                <a16:creationId xmlns:a16="http://schemas.microsoft.com/office/drawing/2014/main" id="{FD0A64F0-549E-B7DC-ACE7-6EDD57CEBF3E}"/>
               </a:ext>
             </a:extLst>
           </p:cNvPr>
@@ -8760,8 +8792,8 @@
         </p:blipFill>
         <p:spPr>
           <a:xfrm>
-            <a:off x="2737556" y="546254"/>
-            <a:ext cx="4583289" cy="6233982"/>
+            <a:off x="2312356" y="581250"/>
+            <a:ext cx="4421891" cy="6039262"/>
           </a:xfrm>
           <a:prstGeom prst="rect">
             <a:avLst/>
@@ -8886,6 +8918,113 @@
           <p:cNvPr id="2" name="Title 1">
             <a:extLst>
               <a:ext uri="{FF2B5EF4-FFF2-40B4-BE49-F238E27FC236}">
+                <a16:creationId xmlns:a16="http://schemas.microsoft.com/office/drawing/2014/main" id="{C7E7E887-BDDA-E0AB-1D30-DA56D03456EF}"/>
+              </a:ext>
+            </a:extLst>
+          </p:cNvPr>
+          <p:cNvSpPr>
+            <a:spLocks noGrp="1"/>
+          </p:cNvSpPr>
+          <p:nvPr>
+            <p:ph type="title"/>
+          </p:nvPr>
+        </p:nvSpPr>
+        <p:spPr/>
+        <p:txBody>
+          <a:bodyPr/>
+          <a:lstStyle/>
+          <a:p>
+            <a:r>
+              <a:rPr lang="en-GB"/>
+              <a:t>Challenges</a:t>
+            </a:r>
+          </a:p>
+        </p:txBody>
+      </p:sp>
+      <p:sp>
+        <p:nvSpPr>
+          <p:cNvPr id="3" name="Content Placeholder 2">
+            <a:extLst>
+              <a:ext uri="{FF2B5EF4-FFF2-40B4-BE49-F238E27FC236}">
+                <a16:creationId xmlns:a16="http://schemas.microsoft.com/office/drawing/2014/main" id="{8E471AD9-CDB4-C87D-2296-C3DAB7CF6198}"/>
+              </a:ext>
+            </a:extLst>
+          </p:cNvPr>
+          <p:cNvSpPr>
+            <a:spLocks noGrp="1"/>
+          </p:cNvSpPr>
+          <p:nvPr>
+            <p:ph idx="1"/>
+          </p:nvPr>
+        </p:nvSpPr>
+        <p:spPr/>
+        <p:txBody>
+          <a:bodyPr vert="horz" lIns="91440" tIns="45720" rIns="91440" bIns="45720" rtlCol="0" anchor="t">
+            <a:normAutofit/>
+          </a:bodyPr>
+          <a:lstStyle/>
+          <a:p>
+            <a:r>
+              <a:rPr lang="en-GB"/>
+              <a:t>Refactoring the code</a:t>
+            </a:r>
+          </a:p>
+          <a:p>
+            <a:r>
+              <a:rPr lang="en-GB"/>
+              <a:t>Handling Patients' health condition</a:t>
+            </a:r>
+          </a:p>
+          <a:p>
+            <a:r>
+              <a:rPr lang="en-GB">
+                <a:solidFill>
+                  <a:srgbClr val="404040"/>
+                </a:solidFill>
+                <a:ea typeface="+mn-lt"/>
+                <a:cs typeface="+mn-lt"/>
+              </a:rPr>
+              <a:t>Considering the user experience of the app, on View/Add/Edit/Delete patients or clinical data</a:t>
+            </a:r>
+            <a:endParaRPr lang="en-GB"/>
+          </a:p>
+        </p:txBody>
+      </p:sp>
+    </p:spTree>
+    <p:extLst>
+      <p:ext uri="{BB962C8B-B14F-4D97-AF65-F5344CB8AC3E}">
+        <p14:creationId xmlns:p14="http://schemas.microsoft.com/office/powerpoint/2010/main" val="4142931922"/>
+      </p:ext>
+    </p:extLst>
+  </p:cSld>
+  <p:clrMapOvr>
+    <a:masterClrMapping/>
+  </p:clrMapOvr>
+</p:sld>
+</file>
+
+<file path=ppt/slides/slide8.xml><?xml version="1.0" encoding="utf-8"?>
+<p:sld xmlns:a="http://schemas.openxmlformats.org/drawingml/2006/main" xmlns:r="http://schemas.openxmlformats.org/officeDocument/2006/relationships" xmlns:p="http://schemas.openxmlformats.org/presentationml/2006/main">
+  <p:cSld>
+    <p:spTree>
+      <p:nvGrpSpPr>
+        <p:cNvPr id="1" name=""/>
+        <p:cNvGrpSpPr/>
+        <p:nvPr/>
+      </p:nvGrpSpPr>
+      <p:grpSpPr>
+        <a:xfrm>
+          <a:off x="0" y="0"/>
+          <a:ext cx="0" cy="0"/>
+          <a:chOff x="0" y="0"/>
+          <a:chExt cx="0" cy="0"/>
+        </a:xfrm>
+      </p:grpSpPr>
+      <p:sp>
+        <p:nvSpPr>
+          <p:cNvPr id="2" name="Title 1">
+            <a:extLst>
+              <a:ext uri="{FF2B5EF4-FFF2-40B4-BE49-F238E27FC236}">
                 <a16:creationId xmlns:a16="http://schemas.microsoft.com/office/drawing/2014/main" id="{D2FD7AEE-64C1-D189-A147-8ADFC9AC1E27}"/>
               </a:ext>
             </a:extLst>
@@ -8903,7 +9042,7 @@
           <a:lstStyle/>
           <a:p>
             <a:r>
-              <a:rPr lang="en-GB" dirty="0"/>
+              <a:rPr lang="en-GB"/>
               <a:t>Questions</a:t>
             </a:r>
           </a:p>
